--- a/Presentation/Oscillation slides.pptx
+++ b/Presentation/Oscillation slides.pptx
@@ -11176,8 +11176,31 @@
         </p:blipFill>
         <p:spPr>
           <a:xfrm>
-            <a:off x="6231240" y="2077560"/>
-            <a:ext cx="5312160" cy="3463560"/>
+            <a:off x="7374600" y="1741320"/>
+            <a:ext cx="3025440" cy="1972800"/>
+          </a:xfrm>
+          <a:prstGeom prst="rect">
+            <a:avLst/>
+          </a:prstGeom>
+          <a:ln w="0">
+            <a:noFill/>
+          </a:ln>
+        </p:spPr>
+      </p:pic>
+      <p:pic>
+        <p:nvPicPr>
+          <p:cNvPr id="234" name="" descr=""/>
+          <p:cNvPicPr/>
+          <p:nvPr/>
+        </p:nvPicPr>
+        <p:blipFill>
+          <a:blip r:embed="rId2"/>
+          <a:stretch/>
+        </p:blipFill>
+        <p:spPr>
+          <a:xfrm>
+            <a:off x="7374600" y="3902040"/>
+            <a:ext cx="3025440" cy="1972800"/>
           </a:xfrm>
           <a:prstGeom prst="rect">
             <a:avLst/>
